--- a/cs251/LectureNotes/week-09/Week 09-WED.pptx
+++ b/cs251/LectureNotes/week-09/Week 09-WED.pptx
@@ -4933,7 +4933,7 @@
           <p:cNvPr id="45" name="Shape 45"/>
           <p:cNvSpPr txBox="1"/>
           <p:nvPr>
-            <p:ph type="title"/>
+            <p:ph hasCustomPrompt="1" type="title"/>
           </p:nvPr>
         </p:nvSpPr>
         <p:spPr>
@@ -5048,7 +5048,11 @@
               <a:defRPr sz="12000"/>
             </a:lvl9pPr>
           </a:lstStyle>
-          <a:p/>
+          <a:p>
+            <a:r>
+              <a:t>xx%</a:t>
+            </a:r>
+          </a:p>
         </p:txBody>
       </p:sp>
       <p:sp>
@@ -17446,7 +17450,7 @@
             <a:tbl>
               <a:tblPr>
                 <a:noFill/>
-                <a:tableStyleId>{E3D16A0A-3EEC-408B-830D-63872973039E}</a:tableStyleId>
+                <a:tableStyleId>{F234581D-EBBA-4695-BB0D-2D3CC279ABB6}</a:tableStyleId>
               </a:tblPr>
               <a:tblGrid>
                 <a:gridCol w="642575"/>
@@ -20798,7 +20802,7 @@
             <a:tbl>
               <a:tblPr>
                 <a:noFill/>
-                <a:tableStyleId>{E3D16A0A-3EEC-408B-830D-63872973039E}</a:tableStyleId>
+                <a:tableStyleId>{F234581D-EBBA-4695-BB0D-2D3CC279ABB6}</a:tableStyleId>
               </a:tblPr>
               <a:tblGrid>
                 <a:gridCol w="642575"/>
@@ -21649,7 +21653,7 @@
             <a:tbl>
               <a:tblPr>
                 <a:noFill/>
-                <a:tableStyleId>{E3D16A0A-3EEC-408B-830D-63872973039E}</a:tableStyleId>
+                <a:tableStyleId>{F234581D-EBBA-4695-BB0D-2D3CC279ABB6}</a:tableStyleId>
               </a:tblPr>
               <a:tblGrid>
                 <a:gridCol w="687675"/>
@@ -55654,9 +55658,9 @@
 </file>
 
 <file path=ppt/theme/theme2.xml><?xml version="1.0" encoding="utf-8"?>
-<a:theme xmlns:a="http://schemas.openxmlformats.org/drawingml/2006/main" xmlns:r="http://schemas.openxmlformats.org/officeDocument/2006/relationships">
+<a:theme xmlns:a="http://schemas.openxmlformats.org/drawingml/2006/main" xmlns:r="http://schemas.openxmlformats.org/officeDocument/2006/relationships" name="Swiss">
   <a:themeElements>
-    <a:clrScheme name="Default">
+    <a:clrScheme name="Custom 218">
       <a:dk1>
         <a:srgbClr val="000000"/>
       </a:dk1>
@@ -55664,34 +55668,34 @@
         <a:srgbClr val="FFFFFF"/>
       </a:lt1>
       <a:dk2>
-        <a:srgbClr val="158158"/>
+        <a:srgbClr val="5B595A"/>
       </a:dk2>
       <a:lt2>
-        <a:srgbClr val="F3F3F3"/>
+        <a:srgbClr val="CFD4D4"/>
       </a:lt2>
       <a:accent1>
-        <a:srgbClr val="058DC7"/>
+        <a:srgbClr val="CC0202"/>
       </a:accent1>
       <a:accent2>
-        <a:srgbClr val="50B432"/>
+        <a:srgbClr val="228AFF"/>
       </a:accent2>
       <a:accent3>
-        <a:srgbClr val="ED561B"/>
+        <a:srgbClr val="FBC82F"/>
       </a:accent3>
       <a:accent4>
-        <a:srgbClr val="EDEF00"/>
+        <a:srgbClr val="253E91"/>
       </a:accent4>
       <a:accent5>
-        <a:srgbClr val="24CBE5"/>
+        <a:srgbClr val="F68D0C"/>
       </a:accent5>
       <a:accent6>
-        <a:srgbClr val="64E572"/>
+        <a:srgbClr val="257E12"/>
       </a:accent6>
       <a:hlink>
-        <a:srgbClr val="2200CC"/>
+        <a:srgbClr val="144C72"/>
       </a:hlink>
       <a:folHlink>
-        <a:srgbClr val="551A8B"/>
+        <a:srgbClr val="8C9D92"/>
       </a:folHlink>
     </a:clrScheme>
     <a:fontScheme name="Office">
@@ -56212,9 +56216,9 @@
 </file>
 
 <file path=ppt/theme/theme4.xml><?xml version="1.0" encoding="utf-8"?>
-<a:theme xmlns:a="http://schemas.openxmlformats.org/drawingml/2006/main" xmlns:r="http://schemas.openxmlformats.org/officeDocument/2006/relationships" name="Swiss">
+<a:theme xmlns:a="http://schemas.openxmlformats.org/drawingml/2006/main" xmlns:r="http://schemas.openxmlformats.org/officeDocument/2006/relationships">
   <a:themeElements>
-    <a:clrScheme name="Custom 218">
+    <a:clrScheme name="Default">
       <a:dk1>
         <a:srgbClr val="000000"/>
       </a:dk1>
@@ -56222,34 +56226,34 @@
         <a:srgbClr val="FFFFFF"/>
       </a:lt1>
       <a:dk2>
-        <a:srgbClr val="5B595A"/>
+        <a:srgbClr val="158158"/>
       </a:dk2>
       <a:lt2>
-        <a:srgbClr val="CFD4D4"/>
+        <a:srgbClr val="F3F3F3"/>
       </a:lt2>
       <a:accent1>
-        <a:srgbClr val="CC0202"/>
+        <a:srgbClr val="058DC7"/>
       </a:accent1>
       <a:accent2>
-        <a:srgbClr val="228AFF"/>
+        <a:srgbClr val="50B432"/>
       </a:accent2>
       <a:accent3>
-        <a:srgbClr val="FBC82F"/>
+        <a:srgbClr val="ED561B"/>
       </a:accent3>
       <a:accent4>
-        <a:srgbClr val="253E91"/>
+        <a:srgbClr val="EDEF00"/>
       </a:accent4>
       <a:accent5>
-        <a:srgbClr val="F68D0C"/>
+        <a:srgbClr val="24CBE5"/>
       </a:accent5>
       <a:accent6>
-        <a:srgbClr val="257E12"/>
+        <a:srgbClr val="64E572"/>
       </a:accent6>
       <a:hlink>
-        <a:srgbClr val="144C72"/>
+        <a:srgbClr val="2200CC"/>
       </a:hlink>
       <a:folHlink>
-        <a:srgbClr val="8C9D92"/>
+        <a:srgbClr val="551A8B"/>
       </a:folHlink>
     </a:clrScheme>
     <a:fontScheme name="Office">
